--- a/docs/paper_fig/fig.pptx
+++ b/docs/paper_fig/fig.pptx
@@ -5,7 +5,8 @@
     <p:sldMasterId id="2147483648" r:id="rId1"/>
   </p:sldMasterIdLst>
   <p:sldIdLst>
-    <p:sldId id="256" r:id="rId2"/>
+    <p:sldId id="257" r:id="rId2"/>
+    <p:sldId id="256" r:id="rId3"/>
   </p:sldIdLst>
   <p:sldSz cx="12192000" cy="6858000"/>
   <p:notesSz cx="6858000" cy="9144000"/>
@@ -104,6 +105,11 @@
       </a:defRPr>
     </a:lvl9pPr>
   </p:defaultTextStyle>
+  <p:extLst>
+    <p:ext uri="{EFAFB233-063F-42B5-8137-9DF3F51BA10A}">
+      <p15:sldGuideLst xmlns:p15="http://schemas.microsoft.com/office/powerpoint/2012/main"/>
+    </p:ext>
+  </p:extLst>
 </p:presentation>
 </file>
 
@@ -238,7 +244,7 @@
           <a:p>
             <a:fld id="{554E36C4-74ED-4DF4-A69A-0703302FFF53}" type="datetimeFigureOut">
               <a:rPr lang="en-US" smtClean="0"/>
-              <a:t>2/24/2022</a:t>
+              <a:t>2/25/2022</a:t>
             </a:fld>
             <a:endParaRPr lang="en-US"/>
           </a:p>
@@ -408,7 +414,7 @@
           <a:p>
             <a:fld id="{554E36C4-74ED-4DF4-A69A-0703302FFF53}" type="datetimeFigureOut">
               <a:rPr lang="en-US" smtClean="0"/>
-              <a:t>2/24/2022</a:t>
+              <a:t>2/25/2022</a:t>
             </a:fld>
             <a:endParaRPr lang="en-US"/>
           </a:p>
@@ -588,7 +594,7 @@
           <a:p>
             <a:fld id="{554E36C4-74ED-4DF4-A69A-0703302FFF53}" type="datetimeFigureOut">
               <a:rPr lang="en-US" smtClean="0"/>
-              <a:t>2/24/2022</a:t>
+              <a:t>2/25/2022</a:t>
             </a:fld>
             <a:endParaRPr lang="en-US"/>
           </a:p>
@@ -758,7 +764,7 @@
           <a:p>
             <a:fld id="{554E36C4-74ED-4DF4-A69A-0703302FFF53}" type="datetimeFigureOut">
               <a:rPr lang="en-US" smtClean="0"/>
-              <a:t>2/24/2022</a:t>
+              <a:t>2/25/2022</a:t>
             </a:fld>
             <a:endParaRPr lang="en-US"/>
           </a:p>
@@ -1004,7 +1010,7 @@
           <a:p>
             <a:fld id="{554E36C4-74ED-4DF4-A69A-0703302FFF53}" type="datetimeFigureOut">
               <a:rPr lang="en-US" smtClean="0"/>
-              <a:t>2/24/2022</a:t>
+              <a:t>2/25/2022</a:t>
             </a:fld>
             <a:endParaRPr lang="en-US"/>
           </a:p>
@@ -1236,7 +1242,7 @@
           <a:p>
             <a:fld id="{554E36C4-74ED-4DF4-A69A-0703302FFF53}" type="datetimeFigureOut">
               <a:rPr lang="en-US" smtClean="0"/>
-              <a:t>2/24/2022</a:t>
+              <a:t>2/25/2022</a:t>
             </a:fld>
             <a:endParaRPr lang="en-US"/>
           </a:p>
@@ -1603,7 +1609,7 @@
           <a:p>
             <a:fld id="{554E36C4-74ED-4DF4-A69A-0703302FFF53}" type="datetimeFigureOut">
               <a:rPr lang="en-US" smtClean="0"/>
-              <a:t>2/24/2022</a:t>
+              <a:t>2/25/2022</a:t>
             </a:fld>
             <a:endParaRPr lang="en-US"/>
           </a:p>
@@ -1721,7 +1727,7 @@
           <a:p>
             <a:fld id="{554E36C4-74ED-4DF4-A69A-0703302FFF53}" type="datetimeFigureOut">
               <a:rPr lang="en-US" smtClean="0"/>
-              <a:t>2/24/2022</a:t>
+              <a:t>2/25/2022</a:t>
             </a:fld>
             <a:endParaRPr lang="en-US"/>
           </a:p>
@@ -1816,7 +1822,7 @@
           <a:p>
             <a:fld id="{554E36C4-74ED-4DF4-A69A-0703302FFF53}" type="datetimeFigureOut">
               <a:rPr lang="en-US" smtClean="0"/>
-              <a:t>2/24/2022</a:t>
+              <a:t>2/25/2022</a:t>
             </a:fld>
             <a:endParaRPr lang="en-US"/>
           </a:p>
@@ -2093,7 +2099,7 @@
           <a:p>
             <a:fld id="{554E36C4-74ED-4DF4-A69A-0703302FFF53}" type="datetimeFigureOut">
               <a:rPr lang="en-US" smtClean="0"/>
-              <a:t>2/24/2022</a:t>
+              <a:t>2/25/2022</a:t>
             </a:fld>
             <a:endParaRPr lang="en-US"/>
           </a:p>
@@ -2346,7 +2352,7 @@
           <a:p>
             <a:fld id="{554E36C4-74ED-4DF4-A69A-0703302FFF53}" type="datetimeFigureOut">
               <a:rPr lang="en-US" smtClean="0"/>
-              <a:t>2/24/2022</a:t>
+              <a:t>2/25/2022</a:t>
             </a:fld>
             <a:endParaRPr lang="en-US"/>
           </a:p>
@@ -2559,7 +2565,7 @@
           <a:p>
             <a:fld id="{554E36C4-74ED-4DF4-A69A-0703302FFF53}" type="datetimeFigureOut">
               <a:rPr lang="en-US" smtClean="0"/>
-              <a:t>2/24/2022</a:t>
+              <a:t>2/25/2022</a:t>
             </a:fld>
             <a:endParaRPr lang="en-US"/>
           </a:p>
@@ -2964,74 +2970,26 @@
           <a:chExt cx="0" cy="0"/>
         </a:xfrm>
       </p:grpSpPr>
-      <p:pic>
-        <p:nvPicPr>
-          <p:cNvPr id="22" name="Picture 21"/>
-          <p:cNvPicPr>
-            <a:picLocks noChangeAspect="1"/>
-          </p:cNvPicPr>
-          <p:nvPr/>
-        </p:nvPicPr>
-        <p:blipFill rotWithShape="1">
-          <a:blip r:embed="rId2"/>
-          <a:srcRect l="3676" t="13344" r="22599" b="6274"/>
-          <a:stretch/>
-        </p:blipFill>
-        <p:spPr>
-          <a:xfrm>
-            <a:off x="197353" y="2764271"/>
-            <a:ext cx="1915428" cy="1973179"/>
-          </a:xfrm>
-          <a:prstGeom prst="rect">
-            <a:avLst/>
-          </a:prstGeom>
-        </p:spPr>
-      </p:pic>
-      <p:pic>
-        <p:nvPicPr>
-          <p:cNvPr id="11" name="Picture 10"/>
-          <p:cNvPicPr>
-            <a:picLocks noChangeAspect="1"/>
-          </p:cNvPicPr>
-          <p:nvPr/>
-        </p:nvPicPr>
-        <p:blipFill rotWithShape="1">
-          <a:blip r:embed="rId3"/>
-          <a:srcRect r="668"/>
-          <a:stretch/>
-        </p:blipFill>
-        <p:spPr>
-          <a:xfrm>
-            <a:off x="197353" y="4775818"/>
-            <a:ext cx="3906526" cy="1986939"/>
-          </a:xfrm>
-          <a:prstGeom prst="rect">
-            <a:avLst/>
-          </a:prstGeom>
-        </p:spPr>
-      </p:pic>
-      <p:sp>
-        <p:nvSpPr>
-          <p:cNvPr id="15" name="Rectangle 14"/>
+      <p:sp>
+        <p:nvSpPr>
+          <p:cNvPr id="27" name="Rectangle 26"/>
           <p:cNvSpPr/>
           <p:nvPr/>
         </p:nvSpPr>
         <p:spPr>
           <a:xfrm>
-            <a:off x="714895" y="665018"/>
-            <a:ext cx="1604356" cy="1629295"/>
-          </a:xfrm>
-          <a:prstGeom prst="rect">
-            <a:avLst/>
-          </a:prstGeom>
-          <a:noFill/>
-          <a:ln>
-            <a:solidFill>
-              <a:schemeClr val="bg1">
-                <a:lumMod val="75000"/>
-              </a:schemeClr>
-            </a:solidFill>
-          </a:ln>
+            <a:off x="4166614" y="57841"/>
+            <a:ext cx="3818350" cy="3349502"/>
+          </a:xfrm>
+          <a:prstGeom prst="rect">
+            <a:avLst/>
+          </a:prstGeom>
+          <a:solidFill>
+            <a:schemeClr val="accent1">
+              <a:lumMod val="20000"/>
+              <a:lumOff val="80000"/>
+            </a:schemeClr>
+          </a:solidFill>
         </p:spPr>
         <p:style>
           <a:lnRef idx="2">
@@ -3060,154 +3018,71 @@
       </p:sp>
       <p:pic>
         <p:nvPicPr>
-          <p:cNvPr id="16" name="Picture 15"/>
+          <p:cNvPr id="22" name="Picture 21"/>
           <p:cNvPicPr>
             <a:picLocks noChangeAspect="1"/>
           </p:cNvPicPr>
           <p:nvPr/>
         </p:nvPicPr>
         <p:blipFill rotWithShape="1">
-          <a:blip r:embed="rId4"/>
-          <a:srcRect l="18422" t="11994" r="12064" b="15918"/>
+          <a:blip r:embed="rId2"/>
+          <a:srcRect l="3676" t="13344" r="22599" b="6274"/>
           <a:stretch/>
         </p:blipFill>
         <p:spPr>
           <a:xfrm>
-            <a:off x="2168546" y="2764271"/>
-            <a:ext cx="1917578" cy="1975104"/>
+            <a:off x="197353" y="2764271"/>
+            <a:ext cx="1915428" cy="1973179"/>
           </a:xfrm>
           <a:prstGeom prst="rect">
             <a:avLst/>
           </a:prstGeom>
         </p:spPr>
       </p:pic>
-      <p:sp>
-        <p:nvSpPr>
-          <p:cNvPr id="17" name="TextBox 16"/>
-          <p:cNvSpPr txBox="1"/>
-          <p:nvPr/>
-        </p:nvSpPr>
-        <p:spPr>
-          <a:xfrm>
-            <a:off x="230627" y="2804767"/>
-            <a:ext cx="968535" cy="400110"/>
+      <p:pic>
+        <p:nvPicPr>
+          <p:cNvPr id="11" name="Picture 10"/>
+          <p:cNvPicPr>
+            <a:picLocks noChangeAspect="1"/>
+          </p:cNvPicPr>
+          <p:nvPr/>
+        </p:nvPicPr>
+        <p:blipFill rotWithShape="1">
+          <a:blip r:embed="rId3"/>
+          <a:srcRect r="668"/>
+          <a:stretch/>
+        </p:blipFill>
+        <p:spPr>
+          <a:xfrm>
+            <a:off x="197353" y="4775818"/>
+            <a:ext cx="3906526" cy="1986939"/>
+          </a:xfrm>
+          <a:prstGeom prst="rect">
+            <a:avLst/>
+          </a:prstGeom>
+        </p:spPr>
+      </p:pic>
+      <p:sp>
+        <p:nvSpPr>
+          <p:cNvPr id="15" name="Rectangle 14"/>
+          <p:cNvSpPr/>
+          <p:nvPr/>
+        </p:nvSpPr>
+        <p:spPr>
+          <a:xfrm>
+            <a:off x="714895" y="665018"/>
+            <a:ext cx="1604356" cy="1629295"/>
           </a:xfrm>
           <a:prstGeom prst="rect">
             <a:avLst/>
           </a:prstGeom>
           <a:noFill/>
-        </p:spPr>
-        <p:txBody>
-          <a:bodyPr wrap="none" rtlCol="0">
-            <a:spAutoFit/>
-          </a:bodyPr>
-          <a:lstStyle/>
-          <a:p>
-            <a:r>
-              <a:rPr lang="en-US" sz="1000" dirty="0" smtClean="0">
-                <a:solidFill>
-                  <a:schemeClr val="bg1"/>
-                </a:solidFill>
-                <a:latin typeface="Arial" panose="020B0604020202020204" pitchFamily="34" charset="0"/>
-                <a:cs typeface="Arial" panose="020B0604020202020204" pitchFamily="34" charset="0"/>
-              </a:rPr>
-              <a:t>MERIT-Hydro</a:t>
-            </a:r>
-          </a:p>
-          <a:p>
-            <a:r>
-              <a:rPr lang="en-US" sz="1000" dirty="0" smtClean="0">
-                <a:solidFill>
-                  <a:schemeClr val="bg1"/>
-                </a:solidFill>
-                <a:latin typeface="Arial" panose="020B0604020202020204" pitchFamily="34" charset="0"/>
-                <a:cs typeface="Arial" panose="020B0604020202020204" pitchFamily="34" charset="0"/>
-              </a:rPr>
-              <a:t>delineation</a:t>
-            </a:r>
-            <a:endParaRPr lang="en-US" sz="1000" dirty="0">
-              <a:solidFill>
-                <a:schemeClr val="bg1"/>
-              </a:solidFill>
-              <a:latin typeface="Arial" panose="020B0604020202020204" pitchFamily="34" charset="0"/>
-              <a:cs typeface="Arial" panose="020B0604020202020204" pitchFamily="34" charset="0"/>
-            </a:endParaRPr>
-          </a:p>
-        </p:txBody>
-      </p:sp>
-      <p:sp>
-        <p:nvSpPr>
-          <p:cNvPr id="18" name="TextBox 17"/>
-          <p:cNvSpPr txBox="1"/>
-          <p:nvPr/>
-        </p:nvSpPr>
-        <p:spPr>
-          <a:xfrm>
-            <a:off x="2243167" y="2804767"/>
-            <a:ext cx="994183" cy="400110"/>
-          </a:xfrm>
-          <a:prstGeom prst="rect">
-            <a:avLst/>
-          </a:prstGeom>
-          <a:noFill/>
-        </p:spPr>
-        <p:txBody>
-          <a:bodyPr wrap="none" rtlCol="0">
-            <a:spAutoFit/>
-          </a:bodyPr>
-          <a:lstStyle/>
-          <a:p>
-            <a:r>
-              <a:rPr lang="en-US" sz="1000" dirty="0" smtClean="0">
-                <a:solidFill>
-                  <a:schemeClr val="bg1"/>
-                </a:solidFill>
-                <a:latin typeface="Arial" panose="020B0604020202020204" pitchFamily="34" charset="0"/>
-                <a:cs typeface="Arial" panose="020B0604020202020204" pitchFamily="34" charset="0"/>
-              </a:rPr>
-              <a:t>HydroBASINS</a:t>
-            </a:r>
-          </a:p>
-          <a:p>
-            <a:r>
-              <a:rPr lang="en-US" sz="1000" dirty="0" smtClean="0">
-                <a:solidFill>
-                  <a:schemeClr val="bg1"/>
-                </a:solidFill>
-                <a:latin typeface="Arial" panose="020B0604020202020204" pitchFamily="34" charset="0"/>
-                <a:cs typeface="Arial" panose="020B0604020202020204" pitchFamily="34" charset="0"/>
-              </a:rPr>
-              <a:t>delineation</a:t>
-            </a:r>
-            <a:endParaRPr lang="en-US" sz="1000" dirty="0">
-              <a:solidFill>
-                <a:schemeClr val="bg1"/>
-              </a:solidFill>
-              <a:latin typeface="Arial" panose="020B0604020202020204" pitchFamily="34" charset="0"/>
-              <a:cs typeface="Arial" panose="020B0604020202020204" pitchFamily="34" charset="0"/>
-            </a:endParaRPr>
-          </a:p>
-        </p:txBody>
-      </p:sp>
-      <p:sp>
-        <p:nvSpPr>
-          <p:cNvPr id="19" name="Oval 18"/>
-          <p:cNvSpPr/>
-          <p:nvPr/>
-        </p:nvSpPr>
-        <p:spPr>
-          <a:xfrm>
-            <a:off x="2348126" y="4463411"/>
-            <a:ext cx="91440" cy="91440"/>
-          </a:xfrm>
-          <a:prstGeom prst="ellipse">
-            <a:avLst/>
-          </a:prstGeom>
-          <a:solidFill>
-            <a:schemeClr val="bg1"/>
-          </a:solidFill>
-          <a:ln w="44450">
-            <a:noFill/>
+          <a:ln>
+            <a:solidFill>
+              <a:schemeClr val="bg1">
+                <a:lumMod val="75000"/>
+              </a:schemeClr>
+            </a:solidFill>
           </a:ln>
         </p:spPr>
         <p:style>
@@ -3235,15 +3110,146 @@
           </a:p>
         </p:txBody>
       </p:sp>
-      <p:sp>
-        <p:nvSpPr>
-          <p:cNvPr id="20" name="Oval 19"/>
+      <p:pic>
+        <p:nvPicPr>
+          <p:cNvPr id="16" name="Picture 15"/>
+          <p:cNvPicPr>
+            <a:picLocks noChangeAspect="1"/>
+          </p:cNvPicPr>
+          <p:nvPr/>
+        </p:nvPicPr>
+        <p:blipFill rotWithShape="1">
+          <a:blip r:embed="rId4"/>
+          <a:srcRect l="18422" t="11994" r="12064" b="15918"/>
+          <a:stretch/>
+        </p:blipFill>
+        <p:spPr>
+          <a:xfrm>
+            <a:off x="2168546" y="2764271"/>
+            <a:ext cx="1917578" cy="1975104"/>
+          </a:xfrm>
+          <a:prstGeom prst="rect">
+            <a:avLst/>
+          </a:prstGeom>
+        </p:spPr>
+      </p:pic>
+      <p:sp>
+        <p:nvSpPr>
+          <p:cNvPr id="17" name="TextBox 16"/>
+          <p:cNvSpPr txBox="1"/>
+          <p:nvPr/>
+        </p:nvSpPr>
+        <p:spPr>
+          <a:xfrm>
+            <a:off x="230627" y="2804767"/>
+            <a:ext cx="968535" cy="400110"/>
+          </a:xfrm>
+          <a:prstGeom prst="rect">
+            <a:avLst/>
+          </a:prstGeom>
+          <a:noFill/>
+        </p:spPr>
+        <p:txBody>
+          <a:bodyPr wrap="none" rtlCol="0">
+            <a:spAutoFit/>
+          </a:bodyPr>
+          <a:lstStyle/>
+          <a:p>
+            <a:r>
+              <a:rPr lang="en-US" sz="1000" dirty="0" smtClean="0">
+                <a:solidFill>
+                  <a:schemeClr val="bg1"/>
+                </a:solidFill>
+                <a:latin typeface="Arial" panose="020B0604020202020204" pitchFamily="34" charset="0"/>
+                <a:cs typeface="Arial" panose="020B0604020202020204" pitchFamily="34" charset="0"/>
+              </a:rPr>
+              <a:t>MERIT-Hydro</a:t>
+            </a:r>
+          </a:p>
+          <a:p>
+            <a:r>
+              <a:rPr lang="en-US" sz="1000" dirty="0" smtClean="0">
+                <a:solidFill>
+                  <a:schemeClr val="bg1"/>
+                </a:solidFill>
+                <a:latin typeface="Arial" panose="020B0604020202020204" pitchFamily="34" charset="0"/>
+                <a:cs typeface="Arial" panose="020B0604020202020204" pitchFamily="34" charset="0"/>
+              </a:rPr>
+              <a:t>delineation</a:t>
+            </a:r>
+            <a:endParaRPr lang="en-US" sz="1000" dirty="0">
+              <a:solidFill>
+                <a:schemeClr val="bg1"/>
+              </a:solidFill>
+              <a:latin typeface="Arial" panose="020B0604020202020204" pitchFamily="34" charset="0"/>
+              <a:cs typeface="Arial" panose="020B0604020202020204" pitchFamily="34" charset="0"/>
+            </a:endParaRPr>
+          </a:p>
+        </p:txBody>
+      </p:sp>
+      <p:sp>
+        <p:nvSpPr>
+          <p:cNvPr id="18" name="TextBox 17"/>
+          <p:cNvSpPr txBox="1"/>
+          <p:nvPr/>
+        </p:nvSpPr>
+        <p:spPr>
+          <a:xfrm>
+            <a:off x="2243167" y="2804767"/>
+            <a:ext cx="994183" cy="400110"/>
+          </a:xfrm>
+          <a:prstGeom prst="rect">
+            <a:avLst/>
+          </a:prstGeom>
+          <a:noFill/>
+        </p:spPr>
+        <p:txBody>
+          <a:bodyPr wrap="none" rtlCol="0">
+            <a:spAutoFit/>
+          </a:bodyPr>
+          <a:lstStyle/>
+          <a:p>
+            <a:r>
+              <a:rPr lang="en-US" sz="1000" dirty="0" smtClean="0">
+                <a:solidFill>
+                  <a:schemeClr val="bg1"/>
+                </a:solidFill>
+                <a:latin typeface="Arial" panose="020B0604020202020204" pitchFamily="34" charset="0"/>
+                <a:cs typeface="Arial" panose="020B0604020202020204" pitchFamily="34" charset="0"/>
+              </a:rPr>
+              <a:t>HydroBASINS</a:t>
+            </a:r>
+          </a:p>
+          <a:p>
+            <a:r>
+              <a:rPr lang="en-US" sz="1000" dirty="0" smtClean="0">
+                <a:solidFill>
+                  <a:schemeClr val="bg1"/>
+                </a:solidFill>
+                <a:latin typeface="Arial" panose="020B0604020202020204" pitchFamily="34" charset="0"/>
+                <a:cs typeface="Arial" panose="020B0604020202020204" pitchFamily="34" charset="0"/>
+              </a:rPr>
+              <a:t>delineation</a:t>
+            </a:r>
+            <a:endParaRPr lang="en-US" sz="1000" dirty="0">
+              <a:solidFill>
+                <a:schemeClr val="bg1"/>
+              </a:solidFill>
+              <a:latin typeface="Arial" panose="020B0604020202020204" pitchFamily="34" charset="0"/>
+              <a:cs typeface="Arial" panose="020B0604020202020204" pitchFamily="34" charset="0"/>
+            </a:endParaRPr>
+          </a:p>
+        </p:txBody>
+      </p:sp>
+      <p:sp>
+        <p:nvSpPr>
+          <p:cNvPr id="19" name="Oval 18"/>
           <p:cNvSpPr/>
           <p:nvPr/>
         </p:nvSpPr>
         <p:spPr>
           <a:xfrm>
-            <a:off x="440716" y="4404058"/>
+            <a:off x="2348126" y="4463411"/>
             <a:ext cx="91440" cy="91440"/>
           </a:xfrm>
           <a:prstGeom prst="ellipse">
@@ -3281,6 +3287,52 @@
           </a:p>
         </p:txBody>
       </p:sp>
+      <p:sp>
+        <p:nvSpPr>
+          <p:cNvPr id="20" name="Oval 19"/>
+          <p:cNvSpPr/>
+          <p:nvPr/>
+        </p:nvSpPr>
+        <p:spPr>
+          <a:xfrm>
+            <a:off x="440716" y="4404058"/>
+            <a:ext cx="91440" cy="91440"/>
+          </a:xfrm>
+          <a:prstGeom prst="ellipse">
+            <a:avLst/>
+          </a:prstGeom>
+          <a:solidFill>
+            <a:schemeClr val="bg1"/>
+          </a:solidFill>
+          <a:ln w="44450">
+            <a:noFill/>
+          </a:ln>
+        </p:spPr>
+        <p:style>
+          <a:lnRef idx="2">
+            <a:schemeClr val="accent1">
+              <a:shade val="50000"/>
+            </a:schemeClr>
+          </a:lnRef>
+          <a:fillRef idx="1">
+            <a:schemeClr val="accent1"/>
+          </a:fillRef>
+          <a:effectRef idx="0">
+            <a:schemeClr val="accent1"/>
+          </a:effectRef>
+          <a:fontRef idx="minor">
+            <a:schemeClr val="lt1"/>
+          </a:fontRef>
+        </p:style>
+        <p:txBody>
+          <a:bodyPr rtlCol="0" anchor="ctr"/>
+          <a:lstStyle/>
+          <a:p>
+            <a:pPr algn="ctr"/>
+            <a:endParaRPr lang="en-US"/>
+          </a:p>
+        </p:txBody>
+      </p:sp>
       <p:pic>
         <p:nvPicPr>
           <p:cNvPr id="21" name="Picture 20"/>
@@ -3390,7 +3442,7 @@
         </p:nvCxnSpPr>
         <p:spPr>
           <a:xfrm flipH="1" flipV="1">
-            <a:off x="1164692" y="2127184"/>
+            <a:off x="1145442" y="2136809"/>
             <a:ext cx="676058" cy="86253"/>
           </a:xfrm>
           <a:prstGeom prst="straightConnector1">
@@ -3426,7 +3478,7 @@
         </p:nvSpPr>
         <p:spPr>
           <a:xfrm>
-            <a:off x="1783000" y="2049923"/>
+            <a:off x="1754125" y="2059548"/>
             <a:ext cx="1178528" cy="307777"/>
           </a:xfrm>
           <a:prstGeom prst="rect">
@@ -3540,7 +3592,7 @@
         </p:nvSpPr>
         <p:spPr>
           <a:xfrm>
-            <a:off x="4437422" y="388019"/>
+            <a:off x="9679451" y="3891262"/>
             <a:ext cx="1106393" cy="276999"/>
           </a:xfrm>
           <a:prstGeom prst="rect">
@@ -3576,7 +3628,7 @@
         </p:nvSpPr>
         <p:spPr>
           <a:xfrm>
-            <a:off x="3779751" y="2357700"/>
+            <a:off x="238830" y="2383156"/>
             <a:ext cx="324128" cy="369332"/>
           </a:xfrm>
           <a:prstGeom prst="rect">
@@ -3674,6 +3726,1302 @@
               </a:rPr>
               <a:t>C</a:t>
             </a:r>
+          </a:p>
+        </p:txBody>
+      </p:sp>
+      <p:sp>
+        <p:nvSpPr>
+          <p:cNvPr id="40" name="TextBox 39"/>
+          <p:cNvSpPr txBox="1"/>
+          <p:nvPr/>
+        </p:nvSpPr>
+        <p:spPr>
+          <a:xfrm>
+            <a:off x="3770934" y="4835397"/>
+            <a:ext cx="330540" cy="369332"/>
+          </a:xfrm>
+          <a:prstGeom prst="rect">
+            <a:avLst/>
+          </a:prstGeom>
+          <a:noFill/>
+        </p:spPr>
+        <p:txBody>
+          <a:bodyPr wrap="none" rtlCol="0">
+            <a:spAutoFit/>
+          </a:bodyPr>
+          <a:lstStyle/>
+          <a:p>
+            <a:r>
+              <a:rPr lang="en-US" b="1" dirty="0"/>
+              <a:t>D</a:t>
+            </a:r>
+          </a:p>
+        </p:txBody>
+      </p:sp>
+      <p:pic>
+        <p:nvPicPr>
+          <p:cNvPr id="3" name="Picture 2"/>
+          <p:cNvPicPr>
+            <a:picLocks noChangeAspect="1"/>
+          </p:cNvPicPr>
+          <p:nvPr/>
+        </p:nvPicPr>
+        <p:blipFill>
+          <a:blip r:embed="rId7">
+            <a:clrChange>
+              <a:clrFrom>
+                <a:srgbClr val="FFFFFF"/>
+              </a:clrFrom>
+              <a:clrTo>
+                <a:srgbClr val="FFFFFF">
+                  <a:alpha val="0"/>
+                </a:srgbClr>
+              </a:clrTo>
+            </a:clrChange>
+          </a:blip>
+          <a:stretch>
+            <a:fillRect/>
+          </a:stretch>
+        </p:blipFill>
+        <p:spPr>
+          <a:xfrm>
+            <a:off x="4209177" y="325083"/>
+            <a:ext cx="1307897" cy="1344168"/>
+          </a:xfrm>
+          <a:prstGeom prst="rect">
+            <a:avLst/>
+          </a:prstGeom>
+        </p:spPr>
+      </p:pic>
+      <p:pic>
+        <p:nvPicPr>
+          <p:cNvPr id="28" name="Picture 27"/>
+          <p:cNvPicPr>
+            <a:picLocks noChangeAspect="1"/>
+          </p:cNvPicPr>
+          <p:nvPr/>
+        </p:nvPicPr>
+        <p:blipFill>
+          <a:blip r:embed="rId8">
+            <a:clrChange>
+              <a:clrFrom>
+                <a:srgbClr val="FFFFFF"/>
+              </a:clrFrom>
+              <a:clrTo>
+                <a:srgbClr val="FFFFFF">
+                  <a:alpha val="0"/>
+                </a:srgbClr>
+              </a:clrTo>
+            </a:clrChange>
+          </a:blip>
+          <a:stretch>
+            <a:fillRect/>
+          </a:stretch>
+        </p:blipFill>
+        <p:spPr>
+          <a:xfrm>
+            <a:off x="6687122" y="1689047"/>
+            <a:ext cx="1317092" cy="1347222"/>
+          </a:xfrm>
+          <a:prstGeom prst="rect">
+            <a:avLst/>
+          </a:prstGeom>
+        </p:spPr>
+      </p:pic>
+      <p:pic>
+        <p:nvPicPr>
+          <p:cNvPr id="4" name="Picture 3"/>
+          <p:cNvPicPr>
+            <a:picLocks noChangeAspect="1"/>
+          </p:cNvPicPr>
+          <p:nvPr/>
+        </p:nvPicPr>
+        <p:blipFill>
+          <a:blip r:embed="rId9">
+            <a:clrChange>
+              <a:clrFrom>
+                <a:srgbClr val="FFFFFF"/>
+              </a:clrFrom>
+              <a:clrTo>
+                <a:srgbClr val="FFFFFF">
+                  <a:alpha val="0"/>
+                </a:srgbClr>
+              </a:clrTo>
+            </a:clrChange>
+          </a:blip>
+          <a:stretch>
+            <a:fillRect/>
+          </a:stretch>
+        </p:blipFill>
+        <p:spPr>
+          <a:xfrm>
+            <a:off x="5452626" y="325083"/>
+            <a:ext cx="1309813" cy="1344168"/>
+          </a:xfrm>
+          <a:prstGeom prst="rect">
+            <a:avLst/>
+          </a:prstGeom>
+        </p:spPr>
+      </p:pic>
+      <p:pic>
+        <p:nvPicPr>
+          <p:cNvPr id="31" name="Picture 30"/>
+          <p:cNvPicPr>
+            <a:picLocks noChangeAspect="1"/>
+          </p:cNvPicPr>
+          <p:nvPr/>
+        </p:nvPicPr>
+        <p:blipFill>
+          <a:blip r:embed="rId10">
+            <a:clrChange>
+              <a:clrFrom>
+                <a:srgbClr val="FFFFFF"/>
+              </a:clrFrom>
+              <a:clrTo>
+                <a:srgbClr val="FFFFFF">
+                  <a:alpha val="0"/>
+                </a:srgbClr>
+              </a:clrTo>
+            </a:clrChange>
+          </a:blip>
+          <a:stretch>
+            <a:fillRect/>
+          </a:stretch>
+        </p:blipFill>
+        <p:spPr>
+          <a:xfrm>
+            <a:off x="4185864" y="1689047"/>
+            <a:ext cx="1310752" cy="1347222"/>
+          </a:xfrm>
+          <a:prstGeom prst="rect">
+            <a:avLst/>
+          </a:prstGeom>
+        </p:spPr>
+      </p:pic>
+      <p:pic>
+        <p:nvPicPr>
+          <p:cNvPr id="6" name="Picture 5"/>
+          <p:cNvPicPr>
+            <a:picLocks noChangeAspect="1"/>
+          </p:cNvPicPr>
+          <p:nvPr/>
+        </p:nvPicPr>
+        <p:blipFill>
+          <a:blip r:embed="rId11">
+            <a:clrChange>
+              <a:clrFrom>
+                <a:srgbClr val="FFFFFF"/>
+              </a:clrFrom>
+              <a:clrTo>
+                <a:srgbClr val="FFFFFF">
+                  <a:alpha val="0"/>
+                </a:srgbClr>
+              </a:clrTo>
+            </a:clrChange>
+          </a:blip>
+          <a:stretch>
+            <a:fillRect/>
+          </a:stretch>
+        </p:blipFill>
+        <p:spPr>
+          <a:xfrm>
+            <a:off x="6697991" y="325083"/>
+            <a:ext cx="1311960" cy="1344168"/>
+          </a:xfrm>
+          <a:prstGeom prst="rect">
+            <a:avLst/>
+          </a:prstGeom>
+        </p:spPr>
+      </p:pic>
+      <p:pic>
+        <p:nvPicPr>
+          <p:cNvPr id="8" name="Picture 7"/>
+          <p:cNvPicPr>
+            <a:picLocks noChangeAspect="1"/>
+          </p:cNvPicPr>
+          <p:nvPr/>
+        </p:nvPicPr>
+        <p:blipFill>
+          <a:blip r:embed="rId12">
+            <a:clrChange>
+              <a:clrFrom>
+                <a:srgbClr val="FFFFFF"/>
+              </a:clrFrom>
+              <a:clrTo>
+                <a:srgbClr val="FFFFFF">
+                  <a:alpha val="0"/>
+                </a:srgbClr>
+              </a:clrTo>
+            </a:clrChange>
+          </a:blip>
+          <a:stretch>
+            <a:fillRect/>
+          </a:stretch>
+        </p:blipFill>
+        <p:spPr>
+          <a:xfrm>
+            <a:off x="5435447" y="1689047"/>
+            <a:ext cx="1312844" cy="1347222"/>
+          </a:xfrm>
+          <a:prstGeom prst="rect">
+            <a:avLst/>
+          </a:prstGeom>
+        </p:spPr>
+      </p:pic>
+      <p:sp>
+        <p:nvSpPr>
+          <p:cNvPr id="9" name="TextBox 8"/>
+          <p:cNvSpPr txBox="1"/>
+          <p:nvPr/>
+        </p:nvSpPr>
+        <p:spPr>
+          <a:xfrm>
+            <a:off x="5452626" y="3030740"/>
+            <a:ext cx="1245365" cy="276999"/>
+          </a:xfrm>
+          <a:prstGeom prst="rect">
+            <a:avLst/>
+          </a:prstGeom>
+          <a:noFill/>
+        </p:spPr>
+        <p:txBody>
+          <a:bodyPr wrap="square" rtlCol="0">
+            <a:spAutoFit/>
+          </a:bodyPr>
+          <a:lstStyle/>
+          <a:p>
+            <a:pPr algn="ctr"/>
+            <a:r>
+              <a:rPr lang="en-US" sz="1200" dirty="0" smtClean="0">
+                <a:latin typeface="Arial" panose="020B0604020202020204" pitchFamily="34" charset="0"/>
+                <a:cs typeface="Arial" panose="020B0604020202020204" pitchFamily="34" charset="0"/>
+              </a:rPr>
+              <a:t>Soil Moisture</a:t>
+            </a:r>
+          </a:p>
+        </p:txBody>
+      </p:sp>
+      <p:sp>
+        <p:nvSpPr>
+          <p:cNvPr id="32" name="TextBox 31"/>
+          <p:cNvSpPr txBox="1"/>
+          <p:nvPr/>
+        </p:nvSpPr>
+        <p:spPr>
+          <a:xfrm>
+            <a:off x="6789800" y="3030740"/>
+            <a:ext cx="1046056" cy="276999"/>
+          </a:xfrm>
+          <a:prstGeom prst="rect">
+            <a:avLst/>
+          </a:prstGeom>
+          <a:noFill/>
+        </p:spPr>
+        <p:txBody>
+          <a:bodyPr wrap="none" rtlCol="0">
+            <a:spAutoFit/>
+          </a:bodyPr>
+          <a:lstStyle/>
+          <a:p>
+            <a:r>
+              <a:rPr lang="en-US" sz="1200" dirty="0" smtClean="0">
+                <a:latin typeface="Arial" panose="020B0604020202020204" pitchFamily="34" charset="0"/>
+                <a:cs typeface="Arial" panose="020B0604020202020204" pitchFamily="34" charset="0"/>
+              </a:rPr>
+              <a:t>Temperature</a:t>
+            </a:r>
+          </a:p>
+        </p:txBody>
+      </p:sp>
+      <p:sp>
+        <p:nvSpPr>
+          <p:cNvPr id="33" name="TextBox 32"/>
+          <p:cNvSpPr txBox="1"/>
+          <p:nvPr/>
+        </p:nvSpPr>
+        <p:spPr>
+          <a:xfrm>
+            <a:off x="4235677" y="3030740"/>
+            <a:ext cx="1027845" cy="276999"/>
+          </a:xfrm>
+          <a:prstGeom prst="rect">
+            <a:avLst/>
+          </a:prstGeom>
+          <a:noFill/>
+        </p:spPr>
+        <p:txBody>
+          <a:bodyPr wrap="none" rtlCol="0">
+            <a:spAutoFit/>
+          </a:bodyPr>
+          <a:lstStyle/>
+          <a:p>
+            <a:r>
+              <a:rPr lang="en-US" sz="1200" dirty="0">
+                <a:latin typeface="Arial" panose="020B0604020202020204" pitchFamily="34" charset="0"/>
+                <a:cs typeface="Arial" panose="020B0604020202020204" pitchFamily="34" charset="0"/>
+              </a:rPr>
+              <a:t>P</a:t>
+            </a:r>
+            <a:r>
+              <a:rPr lang="en-US" sz="1200" dirty="0" smtClean="0">
+                <a:latin typeface="Arial" panose="020B0604020202020204" pitchFamily="34" charset="0"/>
+                <a:cs typeface="Arial" panose="020B0604020202020204" pitchFamily="34" charset="0"/>
+              </a:rPr>
+              <a:t>recipitation</a:t>
+            </a:r>
+          </a:p>
+        </p:txBody>
+      </p:sp>
+      <p:sp>
+        <p:nvSpPr>
+          <p:cNvPr id="41" name="TextBox 40"/>
+          <p:cNvSpPr txBox="1"/>
+          <p:nvPr/>
+        </p:nvSpPr>
+        <p:spPr>
+          <a:xfrm>
+            <a:off x="6869928" y="60726"/>
+            <a:ext cx="951479" cy="276999"/>
+          </a:xfrm>
+          <a:prstGeom prst="rect">
+            <a:avLst/>
+          </a:prstGeom>
+          <a:noFill/>
+        </p:spPr>
+        <p:txBody>
+          <a:bodyPr wrap="none" rtlCol="0">
+            <a:spAutoFit/>
+          </a:bodyPr>
+          <a:lstStyle/>
+          <a:p>
+            <a:r>
+              <a:rPr lang="en-US" sz="1200" dirty="0" smtClean="0">
+                <a:latin typeface="Arial" panose="020B0604020202020204" pitchFamily="34" charset="0"/>
+                <a:cs typeface="Arial" panose="020B0604020202020204" pitchFamily="34" charset="0"/>
+              </a:rPr>
+              <a:t>Topo Slope</a:t>
+            </a:r>
+          </a:p>
+        </p:txBody>
+      </p:sp>
+      <p:sp>
+        <p:nvSpPr>
+          <p:cNvPr id="42" name="TextBox 41"/>
+          <p:cNvSpPr txBox="1"/>
+          <p:nvPr/>
+        </p:nvSpPr>
+        <p:spPr>
+          <a:xfrm>
+            <a:off x="4314667" y="60726"/>
+            <a:ext cx="938101" cy="461665"/>
+          </a:xfrm>
+          <a:prstGeom prst="rect">
+            <a:avLst/>
+          </a:prstGeom>
+          <a:noFill/>
+        </p:spPr>
+        <p:txBody>
+          <a:bodyPr wrap="square" rtlCol="0">
+            <a:spAutoFit/>
+          </a:bodyPr>
+          <a:lstStyle/>
+          <a:p>
+            <a:pPr algn="ctr"/>
+            <a:r>
+              <a:rPr lang="en-US" sz="1200" dirty="0" smtClean="0">
+                <a:latin typeface="Arial" panose="020B0604020202020204" pitchFamily="34" charset="0"/>
+                <a:cs typeface="Arial" panose="020B0604020202020204" pitchFamily="34" charset="0"/>
+              </a:rPr>
+              <a:t>Population Density</a:t>
+            </a:r>
+          </a:p>
+        </p:txBody>
+      </p:sp>
+      <p:sp>
+        <p:nvSpPr>
+          <p:cNvPr id="43" name="TextBox 42"/>
+          <p:cNvSpPr txBox="1"/>
+          <p:nvPr/>
+        </p:nvSpPr>
+        <p:spPr>
+          <a:xfrm>
+            <a:off x="5852342" y="60726"/>
+            <a:ext cx="551754" cy="276999"/>
+          </a:xfrm>
+          <a:prstGeom prst="rect">
+            <a:avLst/>
+          </a:prstGeom>
+          <a:noFill/>
+        </p:spPr>
+        <p:txBody>
+          <a:bodyPr wrap="none" rtlCol="0">
+            <a:spAutoFit/>
+          </a:bodyPr>
+          <a:lstStyle/>
+          <a:p>
+            <a:r>
+              <a:rPr lang="en-US" sz="1200" dirty="0" smtClean="0">
+                <a:latin typeface="Arial" panose="020B0604020202020204" pitchFamily="34" charset="0"/>
+                <a:cs typeface="Arial" panose="020B0604020202020204" pitchFamily="34" charset="0"/>
+              </a:rPr>
+              <a:t>NDVI</a:t>
+            </a:r>
+          </a:p>
+        </p:txBody>
+      </p:sp>
+      <p:pic>
+        <p:nvPicPr>
+          <p:cNvPr id="13" name="Picture 12"/>
+          <p:cNvPicPr>
+            <a:picLocks noChangeAspect="1"/>
+          </p:cNvPicPr>
+          <p:nvPr/>
+        </p:nvPicPr>
+        <p:blipFill rotWithShape="1">
+          <a:blip r:embed="rId13"/>
+          <a:srcRect b="12304"/>
+          <a:stretch/>
+        </p:blipFill>
+        <p:spPr>
+          <a:xfrm>
+            <a:off x="4161846" y="3482344"/>
+            <a:ext cx="3867350" cy="1503542"/>
+          </a:xfrm>
+          <a:prstGeom prst="rect">
+            <a:avLst/>
+          </a:prstGeom>
+        </p:spPr>
+      </p:pic>
+      <p:pic>
+        <p:nvPicPr>
+          <p:cNvPr id="14" name="Picture 13"/>
+          <p:cNvPicPr>
+            <a:picLocks noChangeAspect="1"/>
+          </p:cNvPicPr>
+          <p:nvPr/>
+        </p:nvPicPr>
+        <p:blipFill>
+          <a:blip r:embed="rId14"/>
+          <a:stretch>
+            <a:fillRect/>
+          </a:stretch>
+        </p:blipFill>
+        <p:spPr>
+          <a:xfrm>
+            <a:off x="4234671" y="5029688"/>
+            <a:ext cx="3769544" cy="1666875"/>
+          </a:xfrm>
+          <a:prstGeom prst="rect">
+            <a:avLst/>
+          </a:prstGeom>
+        </p:spPr>
+      </p:pic>
+      <p:sp>
+        <p:nvSpPr>
+          <p:cNvPr id="44" name="TextBox 43"/>
+          <p:cNvSpPr txBox="1"/>
+          <p:nvPr/>
+        </p:nvSpPr>
+        <p:spPr>
+          <a:xfrm>
+            <a:off x="4127378" y="21856"/>
+            <a:ext cx="296876" cy="369332"/>
+          </a:xfrm>
+          <a:prstGeom prst="rect">
+            <a:avLst/>
+          </a:prstGeom>
+          <a:noFill/>
+        </p:spPr>
+        <p:txBody>
+          <a:bodyPr wrap="none" rtlCol="0">
+            <a:spAutoFit/>
+          </a:bodyPr>
+          <a:lstStyle/>
+          <a:p>
+            <a:r>
+              <a:rPr lang="en-US" b="1" dirty="0"/>
+              <a:t>E</a:t>
+            </a:r>
+            <a:endParaRPr lang="en-US" b="1" dirty="0"/>
+          </a:p>
+        </p:txBody>
+      </p:sp>
+      <p:sp>
+        <p:nvSpPr>
+          <p:cNvPr id="45" name="TextBox 44"/>
+          <p:cNvSpPr txBox="1"/>
+          <p:nvPr/>
+        </p:nvSpPr>
+        <p:spPr>
+          <a:xfrm>
+            <a:off x="4806084" y="3487034"/>
+            <a:ext cx="290464" cy="369332"/>
+          </a:xfrm>
+          <a:prstGeom prst="rect">
+            <a:avLst/>
+          </a:prstGeom>
+          <a:noFill/>
+        </p:spPr>
+        <p:txBody>
+          <a:bodyPr wrap="none" rtlCol="0">
+            <a:spAutoFit/>
+          </a:bodyPr>
+          <a:lstStyle/>
+          <a:p>
+            <a:r>
+              <a:rPr lang="en-US" b="1" dirty="0" smtClean="0"/>
+              <a:t>F</a:t>
+            </a:r>
+            <a:endParaRPr lang="en-US" b="1" dirty="0"/>
+          </a:p>
+        </p:txBody>
+      </p:sp>
+      <p:sp>
+        <p:nvSpPr>
+          <p:cNvPr id="46" name="TextBox 45"/>
+          <p:cNvSpPr txBox="1"/>
+          <p:nvPr/>
+        </p:nvSpPr>
+        <p:spPr>
+          <a:xfrm>
+            <a:off x="4785245" y="5022712"/>
+            <a:ext cx="332142" cy="369332"/>
+          </a:xfrm>
+          <a:prstGeom prst="rect">
+            <a:avLst/>
+          </a:prstGeom>
+          <a:noFill/>
+        </p:spPr>
+        <p:txBody>
+          <a:bodyPr wrap="none" rtlCol="0">
+            <a:spAutoFit/>
+          </a:bodyPr>
+          <a:lstStyle/>
+          <a:p>
+            <a:r>
+              <a:rPr lang="en-US" b="1" dirty="0" smtClean="0"/>
+              <a:t>G</a:t>
+            </a:r>
+            <a:endParaRPr lang="en-US" b="1" dirty="0"/>
+          </a:p>
+        </p:txBody>
+      </p:sp>
+    </p:spTree>
+    <p:extLst>
+      <p:ext uri="{BB962C8B-B14F-4D97-AF65-F5344CB8AC3E}">
+        <p14:creationId xmlns:p14="http://schemas.microsoft.com/office/powerpoint/2010/main" val="1269871317"/>
+      </p:ext>
+    </p:extLst>
+  </p:cSld>
+  <p:clrMapOvr>
+    <a:masterClrMapping/>
+  </p:clrMapOvr>
+</p:sld>
+</file>
+
+<file path=ppt/slides/slide2.xml><?xml version="1.0" encoding="utf-8"?>
+<p:sld xmlns:a="http://schemas.openxmlformats.org/drawingml/2006/main" xmlns:r="http://schemas.openxmlformats.org/officeDocument/2006/relationships" xmlns:p="http://schemas.openxmlformats.org/presentationml/2006/main">
+  <p:cSld>
+    <p:spTree>
+      <p:nvGrpSpPr>
+        <p:cNvPr id="1" name=""/>
+        <p:cNvGrpSpPr/>
+        <p:nvPr/>
+      </p:nvGrpSpPr>
+      <p:grpSpPr>
+        <a:xfrm>
+          <a:off x="0" y="0"/>
+          <a:ext cx="0" cy="0"/>
+          <a:chOff x="0" y="0"/>
+          <a:chExt cx="0" cy="0"/>
+        </a:xfrm>
+      </p:grpSpPr>
+      <p:sp>
+        <p:nvSpPr>
+          <p:cNvPr id="10" name="Rectangle 9"/>
+          <p:cNvSpPr/>
+          <p:nvPr/>
+        </p:nvSpPr>
+        <p:spPr>
+          <a:xfrm>
+            <a:off x="4178499" y="57841"/>
+            <a:ext cx="5851747" cy="3542008"/>
+          </a:xfrm>
+          <a:prstGeom prst="rect">
+            <a:avLst/>
+          </a:prstGeom>
+          <a:solidFill>
+            <a:schemeClr val="bg1">
+              <a:lumMod val="95000"/>
+            </a:schemeClr>
+          </a:solidFill>
+          <a:ln w="19050">
+            <a:solidFill>
+              <a:schemeClr val="bg1">
+                <a:lumMod val="65000"/>
+              </a:schemeClr>
+            </a:solidFill>
+          </a:ln>
+        </p:spPr>
+        <p:style>
+          <a:lnRef idx="2">
+            <a:schemeClr val="accent1">
+              <a:shade val="50000"/>
+            </a:schemeClr>
+          </a:lnRef>
+          <a:fillRef idx="1">
+            <a:schemeClr val="accent1"/>
+          </a:fillRef>
+          <a:effectRef idx="0">
+            <a:schemeClr val="accent1"/>
+          </a:effectRef>
+          <a:fontRef idx="minor">
+            <a:schemeClr val="lt1"/>
+          </a:fontRef>
+        </p:style>
+        <p:txBody>
+          <a:bodyPr rtlCol="0" anchor="ctr"/>
+          <a:lstStyle/>
+          <a:p>
+            <a:pPr algn="ctr"/>
+            <a:endParaRPr lang="en-US"/>
+          </a:p>
+        </p:txBody>
+      </p:sp>
+      <p:pic>
+        <p:nvPicPr>
+          <p:cNvPr id="22" name="Picture 21"/>
+          <p:cNvPicPr>
+            <a:picLocks noChangeAspect="1"/>
+          </p:cNvPicPr>
+          <p:nvPr/>
+        </p:nvPicPr>
+        <p:blipFill rotWithShape="1">
+          <a:blip r:embed="rId2"/>
+          <a:srcRect l="3676" t="13344" r="22599" b="6274"/>
+          <a:stretch/>
+        </p:blipFill>
+        <p:spPr>
+          <a:xfrm>
+            <a:off x="197353" y="2764271"/>
+            <a:ext cx="1915428" cy="1973179"/>
+          </a:xfrm>
+          <a:prstGeom prst="rect">
+            <a:avLst/>
+          </a:prstGeom>
+        </p:spPr>
+      </p:pic>
+      <p:pic>
+        <p:nvPicPr>
+          <p:cNvPr id="11" name="Picture 10"/>
+          <p:cNvPicPr>
+            <a:picLocks noChangeAspect="1"/>
+          </p:cNvPicPr>
+          <p:nvPr/>
+        </p:nvPicPr>
+        <p:blipFill rotWithShape="1">
+          <a:blip r:embed="rId3"/>
+          <a:srcRect r="668"/>
+          <a:stretch/>
+        </p:blipFill>
+        <p:spPr>
+          <a:xfrm>
+            <a:off x="197353" y="4775818"/>
+            <a:ext cx="3906526" cy="1986939"/>
+          </a:xfrm>
+          <a:prstGeom prst="rect">
+            <a:avLst/>
+          </a:prstGeom>
+        </p:spPr>
+      </p:pic>
+      <p:sp>
+        <p:nvSpPr>
+          <p:cNvPr id="15" name="Rectangle 14"/>
+          <p:cNvSpPr/>
+          <p:nvPr/>
+        </p:nvSpPr>
+        <p:spPr>
+          <a:xfrm>
+            <a:off x="714895" y="665018"/>
+            <a:ext cx="1604356" cy="1629295"/>
+          </a:xfrm>
+          <a:prstGeom prst="rect">
+            <a:avLst/>
+          </a:prstGeom>
+          <a:noFill/>
+          <a:ln>
+            <a:solidFill>
+              <a:schemeClr val="bg1">
+                <a:lumMod val="75000"/>
+              </a:schemeClr>
+            </a:solidFill>
+          </a:ln>
+        </p:spPr>
+        <p:style>
+          <a:lnRef idx="2">
+            <a:schemeClr val="accent1">
+              <a:shade val="50000"/>
+            </a:schemeClr>
+          </a:lnRef>
+          <a:fillRef idx="1">
+            <a:schemeClr val="accent1"/>
+          </a:fillRef>
+          <a:effectRef idx="0">
+            <a:schemeClr val="accent1"/>
+          </a:effectRef>
+          <a:fontRef idx="minor">
+            <a:schemeClr val="lt1"/>
+          </a:fontRef>
+        </p:style>
+        <p:txBody>
+          <a:bodyPr rtlCol="0" anchor="ctr"/>
+          <a:lstStyle/>
+          <a:p>
+            <a:pPr algn="ctr"/>
+            <a:endParaRPr lang="en-US"/>
+          </a:p>
+        </p:txBody>
+      </p:sp>
+      <p:pic>
+        <p:nvPicPr>
+          <p:cNvPr id="16" name="Picture 15"/>
+          <p:cNvPicPr>
+            <a:picLocks noChangeAspect="1"/>
+          </p:cNvPicPr>
+          <p:nvPr/>
+        </p:nvPicPr>
+        <p:blipFill rotWithShape="1">
+          <a:blip r:embed="rId4"/>
+          <a:srcRect l="18422" t="11994" r="12064" b="15918"/>
+          <a:stretch/>
+        </p:blipFill>
+        <p:spPr>
+          <a:xfrm>
+            <a:off x="2168546" y="2764271"/>
+            <a:ext cx="1917578" cy="1975104"/>
+          </a:xfrm>
+          <a:prstGeom prst="rect">
+            <a:avLst/>
+          </a:prstGeom>
+        </p:spPr>
+      </p:pic>
+      <p:sp>
+        <p:nvSpPr>
+          <p:cNvPr id="17" name="TextBox 16"/>
+          <p:cNvSpPr txBox="1"/>
+          <p:nvPr/>
+        </p:nvSpPr>
+        <p:spPr>
+          <a:xfrm>
+            <a:off x="230627" y="2804767"/>
+            <a:ext cx="968535" cy="400110"/>
+          </a:xfrm>
+          <a:prstGeom prst="rect">
+            <a:avLst/>
+          </a:prstGeom>
+          <a:noFill/>
+        </p:spPr>
+        <p:txBody>
+          <a:bodyPr wrap="none" rtlCol="0">
+            <a:spAutoFit/>
+          </a:bodyPr>
+          <a:lstStyle/>
+          <a:p>
+            <a:r>
+              <a:rPr lang="en-US" sz="1000" dirty="0" smtClean="0">
+                <a:solidFill>
+                  <a:schemeClr val="bg1"/>
+                </a:solidFill>
+                <a:latin typeface="Arial" panose="020B0604020202020204" pitchFamily="34" charset="0"/>
+                <a:cs typeface="Arial" panose="020B0604020202020204" pitchFamily="34" charset="0"/>
+              </a:rPr>
+              <a:t>MERIT-Hydro</a:t>
+            </a:r>
+          </a:p>
+          <a:p>
+            <a:r>
+              <a:rPr lang="en-US" sz="1000" dirty="0" smtClean="0">
+                <a:solidFill>
+                  <a:schemeClr val="bg1"/>
+                </a:solidFill>
+                <a:latin typeface="Arial" panose="020B0604020202020204" pitchFamily="34" charset="0"/>
+                <a:cs typeface="Arial" panose="020B0604020202020204" pitchFamily="34" charset="0"/>
+              </a:rPr>
+              <a:t>delineation</a:t>
+            </a:r>
+            <a:endParaRPr lang="en-US" sz="1000" dirty="0">
+              <a:solidFill>
+                <a:schemeClr val="bg1"/>
+              </a:solidFill>
+              <a:latin typeface="Arial" panose="020B0604020202020204" pitchFamily="34" charset="0"/>
+              <a:cs typeface="Arial" panose="020B0604020202020204" pitchFamily="34" charset="0"/>
+            </a:endParaRPr>
+          </a:p>
+        </p:txBody>
+      </p:sp>
+      <p:sp>
+        <p:nvSpPr>
+          <p:cNvPr id="18" name="TextBox 17"/>
+          <p:cNvSpPr txBox="1"/>
+          <p:nvPr/>
+        </p:nvSpPr>
+        <p:spPr>
+          <a:xfrm>
+            <a:off x="2243167" y="2804767"/>
+            <a:ext cx="994183" cy="400110"/>
+          </a:xfrm>
+          <a:prstGeom prst="rect">
+            <a:avLst/>
+          </a:prstGeom>
+          <a:noFill/>
+        </p:spPr>
+        <p:txBody>
+          <a:bodyPr wrap="none" rtlCol="0">
+            <a:spAutoFit/>
+          </a:bodyPr>
+          <a:lstStyle/>
+          <a:p>
+            <a:r>
+              <a:rPr lang="en-US" sz="1000" dirty="0" smtClean="0">
+                <a:solidFill>
+                  <a:schemeClr val="bg1"/>
+                </a:solidFill>
+                <a:latin typeface="Arial" panose="020B0604020202020204" pitchFamily="34" charset="0"/>
+                <a:cs typeface="Arial" panose="020B0604020202020204" pitchFamily="34" charset="0"/>
+              </a:rPr>
+              <a:t>HydroBASINS</a:t>
+            </a:r>
+          </a:p>
+          <a:p>
+            <a:r>
+              <a:rPr lang="en-US" sz="1000" dirty="0" smtClean="0">
+                <a:solidFill>
+                  <a:schemeClr val="bg1"/>
+                </a:solidFill>
+                <a:latin typeface="Arial" panose="020B0604020202020204" pitchFamily="34" charset="0"/>
+                <a:cs typeface="Arial" panose="020B0604020202020204" pitchFamily="34" charset="0"/>
+              </a:rPr>
+              <a:t>delineation</a:t>
+            </a:r>
+            <a:endParaRPr lang="en-US" sz="1000" dirty="0">
+              <a:solidFill>
+                <a:schemeClr val="bg1"/>
+              </a:solidFill>
+              <a:latin typeface="Arial" panose="020B0604020202020204" pitchFamily="34" charset="0"/>
+              <a:cs typeface="Arial" panose="020B0604020202020204" pitchFamily="34" charset="0"/>
+            </a:endParaRPr>
+          </a:p>
+        </p:txBody>
+      </p:sp>
+      <p:sp>
+        <p:nvSpPr>
+          <p:cNvPr id="19" name="Oval 18"/>
+          <p:cNvSpPr/>
+          <p:nvPr/>
+        </p:nvSpPr>
+        <p:spPr>
+          <a:xfrm>
+            <a:off x="2348126" y="4463411"/>
+            <a:ext cx="91440" cy="91440"/>
+          </a:xfrm>
+          <a:prstGeom prst="ellipse">
+            <a:avLst/>
+          </a:prstGeom>
+          <a:solidFill>
+            <a:schemeClr val="bg1"/>
+          </a:solidFill>
+          <a:ln w="44450">
+            <a:noFill/>
+          </a:ln>
+        </p:spPr>
+        <p:style>
+          <a:lnRef idx="2">
+            <a:schemeClr val="accent1">
+              <a:shade val="50000"/>
+            </a:schemeClr>
+          </a:lnRef>
+          <a:fillRef idx="1">
+            <a:schemeClr val="accent1"/>
+          </a:fillRef>
+          <a:effectRef idx="0">
+            <a:schemeClr val="accent1"/>
+          </a:effectRef>
+          <a:fontRef idx="minor">
+            <a:schemeClr val="lt1"/>
+          </a:fontRef>
+        </p:style>
+        <p:txBody>
+          <a:bodyPr rtlCol="0" anchor="ctr"/>
+          <a:lstStyle/>
+          <a:p>
+            <a:pPr algn="ctr"/>
+            <a:endParaRPr lang="en-US"/>
+          </a:p>
+        </p:txBody>
+      </p:sp>
+      <p:sp>
+        <p:nvSpPr>
+          <p:cNvPr id="20" name="Oval 19"/>
+          <p:cNvSpPr/>
+          <p:nvPr/>
+        </p:nvSpPr>
+        <p:spPr>
+          <a:xfrm>
+            <a:off x="440716" y="4404058"/>
+            <a:ext cx="91440" cy="91440"/>
+          </a:xfrm>
+          <a:prstGeom prst="ellipse">
+            <a:avLst/>
+          </a:prstGeom>
+          <a:solidFill>
+            <a:schemeClr val="bg1"/>
+          </a:solidFill>
+          <a:ln w="44450">
+            <a:noFill/>
+          </a:ln>
+        </p:spPr>
+        <p:style>
+          <a:lnRef idx="2">
+            <a:schemeClr val="accent1">
+              <a:shade val="50000"/>
+            </a:schemeClr>
+          </a:lnRef>
+          <a:fillRef idx="1">
+            <a:schemeClr val="accent1"/>
+          </a:fillRef>
+          <a:effectRef idx="0">
+            <a:schemeClr val="accent1"/>
+          </a:effectRef>
+          <a:fontRef idx="minor">
+            <a:schemeClr val="lt1"/>
+          </a:fontRef>
+        </p:style>
+        <p:txBody>
+          <a:bodyPr rtlCol="0" anchor="ctr"/>
+          <a:lstStyle/>
+          <a:p>
+            <a:pPr algn="ctr"/>
+            <a:endParaRPr lang="en-US"/>
+          </a:p>
+        </p:txBody>
+      </p:sp>
+      <p:pic>
+        <p:nvPicPr>
+          <p:cNvPr id="21" name="Picture 20"/>
+          <p:cNvPicPr>
+            <a:picLocks noChangeAspect="1"/>
+          </p:cNvPicPr>
+          <p:nvPr/>
+        </p:nvPicPr>
+        <p:blipFill>
+          <a:blip r:embed="rId5"/>
+          <a:stretch>
+            <a:fillRect/>
+          </a:stretch>
+        </p:blipFill>
+        <p:spPr>
+          <a:xfrm>
+            <a:off x="197353" y="57841"/>
+            <a:ext cx="3906526" cy="2662363"/>
+          </a:xfrm>
+          <a:prstGeom prst="rect">
+            <a:avLst/>
+          </a:prstGeom>
+        </p:spPr>
+      </p:pic>
+      <p:cxnSp>
+        <p:nvCxnSpPr>
+          <p:cNvPr id="24" name="Straight Connector 23"/>
+          <p:cNvCxnSpPr/>
+          <p:nvPr/>
+        </p:nvCxnSpPr>
+        <p:spPr>
+          <a:xfrm>
+            <a:off x="288639" y="663529"/>
+            <a:ext cx="548640" cy="0"/>
+          </a:xfrm>
+          <a:prstGeom prst="line">
+            <a:avLst/>
+          </a:prstGeom>
+          <a:ln w="41275">
+            <a:solidFill>
+              <a:schemeClr val="bg1"/>
+            </a:solidFill>
+          </a:ln>
+        </p:spPr>
+        <p:style>
+          <a:lnRef idx="1">
+            <a:schemeClr val="accent1"/>
+          </a:lnRef>
+          <a:fillRef idx="0">
+            <a:schemeClr val="accent1"/>
+          </a:fillRef>
+          <a:effectRef idx="0">
+            <a:schemeClr val="accent1"/>
+          </a:effectRef>
+          <a:fontRef idx="minor">
+            <a:schemeClr val="tx1"/>
+          </a:fontRef>
+        </p:style>
+      </p:cxnSp>
+      <p:sp>
+        <p:nvSpPr>
+          <p:cNvPr id="26" name="TextBox 25"/>
+          <p:cNvSpPr txBox="1"/>
+          <p:nvPr/>
+        </p:nvSpPr>
+        <p:spPr>
+          <a:xfrm>
+            <a:off x="226969" y="660770"/>
+            <a:ext cx="671979" cy="307777"/>
+          </a:xfrm>
+          <a:prstGeom prst="rect">
+            <a:avLst/>
+          </a:prstGeom>
+          <a:noFill/>
+        </p:spPr>
+        <p:txBody>
+          <a:bodyPr wrap="none" rtlCol="0">
+            <a:spAutoFit/>
+          </a:bodyPr>
+          <a:lstStyle/>
+          <a:p>
+            <a:r>
+              <a:rPr lang="en-US" sz="1400" dirty="0" smtClean="0">
+                <a:solidFill>
+                  <a:schemeClr val="bg1"/>
+                </a:solidFill>
+                <a:latin typeface="Arial" panose="020B0604020202020204" pitchFamily="34" charset="0"/>
+                <a:cs typeface="Arial" panose="020B0604020202020204" pitchFamily="34" charset="0"/>
+              </a:rPr>
+              <a:t>20 km</a:t>
+            </a:r>
+            <a:endParaRPr lang="en-US" sz="1400" dirty="0">
+              <a:solidFill>
+                <a:schemeClr val="bg1"/>
+              </a:solidFill>
+              <a:latin typeface="Arial" panose="020B0604020202020204" pitchFamily="34" charset="0"/>
+              <a:cs typeface="Arial" panose="020B0604020202020204" pitchFamily="34" charset="0"/>
+            </a:endParaRPr>
+          </a:p>
+        </p:txBody>
+      </p:sp>
+      <p:cxnSp>
+        <p:nvCxnSpPr>
+          <p:cNvPr id="29" name="Straight Arrow Connector 28"/>
+          <p:cNvCxnSpPr/>
+          <p:nvPr/>
+        </p:nvCxnSpPr>
+        <p:spPr>
+          <a:xfrm flipH="1" flipV="1">
+            <a:off x="1145442" y="2136809"/>
+            <a:ext cx="676058" cy="86253"/>
+          </a:xfrm>
+          <a:prstGeom prst="straightConnector1">
+            <a:avLst/>
+          </a:prstGeom>
+          <a:ln w="15875">
+            <a:solidFill>
+              <a:schemeClr val="bg1"/>
+            </a:solidFill>
+            <a:tailEnd type="triangle" w="med" len="lg"/>
+          </a:ln>
+        </p:spPr>
+        <p:style>
+          <a:lnRef idx="1">
+            <a:schemeClr val="accent1"/>
+          </a:lnRef>
+          <a:fillRef idx="0">
+            <a:schemeClr val="accent1"/>
+          </a:fillRef>
+          <a:effectRef idx="0">
+            <a:schemeClr val="accent1"/>
+          </a:effectRef>
+          <a:fontRef idx="minor">
+            <a:schemeClr val="tx1"/>
+          </a:fontRef>
+        </p:style>
+      </p:cxnSp>
+      <p:sp>
+        <p:nvSpPr>
+          <p:cNvPr id="30" name="TextBox 29"/>
+          <p:cNvSpPr txBox="1"/>
+          <p:nvPr/>
+        </p:nvSpPr>
+        <p:spPr>
+          <a:xfrm>
+            <a:off x="1754125" y="2059548"/>
+            <a:ext cx="1178528" cy="307777"/>
+          </a:xfrm>
+          <a:prstGeom prst="rect">
+            <a:avLst/>
+          </a:prstGeom>
+          <a:noFill/>
+        </p:spPr>
+        <p:txBody>
+          <a:bodyPr wrap="none" rtlCol="0">
+            <a:spAutoFit/>
+          </a:bodyPr>
+          <a:lstStyle/>
+          <a:p>
+            <a:r>
+              <a:rPr lang="en-US" sz="1400" dirty="0" smtClean="0">
+                <a:solidFill>
+                  <a:schemeClr val="bg1"/>
+                </a:solidFill>
+                <a:latin typeface="Arial" panose="020B0604020202020204" pitchFamily="34" charset="0"/>
+                <a:cs typeface="Arial" panose="020B0604020202020204" pitchFamily="34" charset="0"/>
+              </a:rPr>
+              <a:t>stream gage</a:t>
+            </a:r>
+            <a:endParaRPr lang="en-US" sz="1400" dirty="0">
+              <a:solidFill>
+                <a:schemeClr val="bg1"/>
+              </a:solidFill>
+              <a:latin typeface="Arial" panose="020B0604020202020204" pitchFamily="34" charset="0"/>
+              <a:cs typeface="Arial" panose="020B0604020202020204" pitchFamily="34" charset="0"/>
+            </a:endParaRPr>
+          </a:p>
+        </p:txBody>
+      </p:sp>
+      <p:sp>
+        <p:nvSpPr>
+          <p:cNvPr id="34" name="TextBox 33"/>
+          <p:cNvSpPr txBox="1"/>
+          <p:nvPr/>
+        </p:nvSpPr>
+        <p:spPr>
+          <a:xfrm>
+            <a:off x="3381082" y="203353"/>
+            <a:ext cx="479618" cy="369332"/>
+          </a:xfrm>
+          <a:prstGeom prst="rect">
+            <a:avLst/>
+          </a:prstGeom>
+          <a:noFill/>
+        </p:spPr>
+        <p:txBody>
+          <a:bodyPr wrap="none" rtlCol="0">
+            <a:spAutoFit/>
+          </a:bodyPr>
+          <a:lstStyle/>
+          <a:p>
+            <a:r>
+              <a:rPr lang="en-US" dirty="0" smtClean="0">
+                <a:solidFill>
+                  <a:schemeClr val="bg1"/>
+                </a:solidFill>
+                <a:latin typeface="Arial" panose="020B0604020202020204" pitchFamily="34" charset="0"/>
+                <a:cs typeface="Arial" panose="020B0604020202020204" pitchFamily="34" charset="0"/>
+              </a:rPr>
+              <a:t>Fiji</a:t>
+            </a:r>
+            <a:endParaRPr lang="en-US" dirty="0">
+              <a:solidFill>
+                <a:schemeClr val="bg1"/>
+              </a:solidFill>
+              <a:latin typeface="Arial" panose="020B0604020202020204" pitchFamily="34" charset="0"/>
+              <a:cs typeface="Arial" panose="020B0604020202020204" pitchFamily="34" charset="0"/>
+            </a:endParaRPr>
+          </a:p>
+        </p:txBody>
+      </p:sp>
+      <p:pic>
+        <p:nvPicPr>
+          <p:cNvPr id="35" name="Picture 34"/>
+          <p:cNvPicPr>
+            <a:picLocks noChangeAspect="1"/>
+          </p:cNvPicPr>
+          <p:nvPr/>
+        </p:nvPicPr>
+        <p:blipFill>
+          <a:blip r:embed="rId6" cstate="print">
+            <a:extLst>
+              <a:ext uri="{28A0092B-C50C-407E-A947-70E740481C1C}">
+                <a14:useLocalDpi xmlns:a14="http://schemas.microsoft.com/office/drawing/2010/main" val="0"/>
+              </a:ext>
+            </a:extLst>
+          </a:blip>
+          <a:stretch>
+            <a:fillRect/>
+          </a:stretch>
+        </p:blipFill>
+        <p:spPr>
+          <a:xfrm>
+            <a:off x="361412" y="136911"/>
+            <a:ext cx="387538" cy="405763"/>
+          </a:xfrm>
+          <a:prstGeom prst="rect">
+            <a:avLst/>
+          </a:prstGeom>
+        </p:spPr>
+      </p:pic>
+      <p:sp>
+        <p:nvSpPr>
+          <p:cNvPr id="36" name="TextBox 35"/>
+          <p:cNvSpPr txBox="1"/>
+          <p:nvPr/>
+        </p:nvSpPr>
+        <p:spPr>
+          <a:xfrm>
+            <a:off x="10834483" y="676158"/>
+            <a:ext cx="1106393" cy="276999"/>
+          </a:xfrm>
+          <a:prstGeom prst="rect">
+            <a:avLst/>
+          </a:prstGeom>
+          <a:noFill/>
+        </p:spPr>
+        <p:txBody>
+          <a:bodyPr wrap="none" rtlCol="0">
+            <a:spAutoFit/>
+          </a:bodyPr>
+          <a:lstStyle/>
+          <a:p>
+            <a:r>
+              <a:rPr lang="en-US" sz="1200" dirty="0" smtClean="0">
+                <a:latin typeface="Times New Roman" panose="02020603050405020304" pitchFamily="18" charset="0"/>
+                <a:cs typeface="Times New Roman" panose="02020603050405020304" pitchFamily="18" charset="0"/>
+              </a:rPr>
+              <a:t>Sigatoka River</a:t>
+            </a:r>
+            <a:endParaRPr lang="en-US" sz="1200" dirty="0">
+              <a:latin typeface="Times New Roman" panose="02020603050405020304" pitchFamily="18" charset="0"/>
+              <a:cs typeface="Times New Roman" panose="02020603050405020304" pitchFamily="18" charset="0"/>
+            </a:endParaRPr>
+          </a:p>
+        </p:txBody>
+      </p:sp>
+      <p:sp>
+        <p:nvSpPr>
+          <p:cNvPr id="37" name="TextBox 36"/>
+          <p:cNvSpPr txBox="1"/>
+          <p:nvPr/>
+        </p:nvSpPr>
+        <p:spPr>
+          <a:xfrm>
+            <a:off x="3779751" y="1722438"/>
+            <a:ext cx="324128" cy="369332"/>
+          </a:xfrm>
+          <a:prstGeom prst="rect">
+            <a:avLst/>
+          </a:prstGeom>
+          <a:noFill/>
+        </p:spPr>
+        <p:txBody>
+          <a:bodyPr wrap="none" rtlCol="0">
+            <a:spAutoFit/>
+          </a:bodyPr>
+          <a:lstStyle/>
+          <a:p>
+            <a:r>
+              <a:rPr lang="en-US" b="1" dirty="0" smtClean="0">
+                <a:solidFill>
+                  <a:schemeClr val="bg1"/>
+                </a:solidFill>
+              </a:rPr>
+              <a:t>A</a:t>
+            </a:r>
             <a:endParaRPr lang="en-US" b="1" dirty="0">
               <a:solidFill>
                 <a:schemeClr val="bg1"/>
@@ -3684,14 +5032,14 @@
       </p:sp>
       <p:sp>
         <p:nvSpPr>
-          <p:cNvPr id="40" name="TextBox 39"/>
+          <p:cNvPr id="38" name="TextBox 37"/>
           <p:cNvSpPr txBox="1"/>
           <p:nvPr/>
         </p:nvSpPr>
         <p:spPr>
           <a:xfrm>
-            <a:off x="3770934" y="4835397"/>
-            <a:ext cx="330540" cy="369332"/>
+            <a:off x="1816536" y="4406486"/>
+            <a:ext cx="324128" cy="369332"/>
           </a:xfrm>
           <a:prstGeom prst="rect">
             <a:avLst/>
@@ -3705,13 +5053,542 @@
           <a:lstStyle/>
           <a:p>
             <a:r>
+              <a:rPr lang="en-US" b="1" dirty="0" smtClean="0">
+                <a:solidFill>
+                  <a:schemeClr val="bg1"/>
+                </a:solidFill>
+              </a:rPr>
+              <a:t>B</a:t>
+            </a:r>
+            <a:endParaRPr lang="en-US" b="1" dirty="0">
+              <a:solidFill>
+                <a:schemeClr val="bg1"/>
+              </a:solidFill>
+            </a:endParaRPr>
+          </a:p>
+        </p:txBody>
+      </p:sp>
+      <p:sp>
+        <p:nvSpPr>
+          <p:cNvPr id="39" name="TextBox 38"/>
+          <p:cNvSpPr txBox="1"/>
+          <p:nvPr/>
+        </p:nvSpPr>
+        <p:spPr>
+          <a:xfrm>
+            <a:off x="3779751" y="4387302"/>
+            <a:ext cx="306494" cy="369332"/>
+          </a:xfrm>
+          <a:prstGeom prst="rect">
+            <a:avLst/>
+          </a:prstGeom>
+          <a:noFill/>
+        </p:spPr>
+        <p:txBody>
+          <a:bodyPr wrap="none" rtlCol="0">
+            <a:spAutoFit/>
+          </a:bodyPr>
+          <a:lstStyle/>
+          <a:p>
+            <a:r>
+              <a:rPr lang="en-US" b="1" dirty="0">
+                <a:solidFill>
+                  <a:schemeClr val="bg1"/>
+                </a:solidFill>
+              </a:rPr>
+              <a:t>C</a:t>
+            </a:r>
+          </a:p>
+        </p:txBody>
+      </p:sp>
+      <p:sp>
+        <p:nvSpPr>
+          <p:cNvPr id="40" name="TextBox 39"/>
+          <p:cNvSpPr txBox="1"/>
+          <p:nvPr/>
+        </p:nvSpPr>
+        <p:spPr>
+          <a:xfrm>
+            <a:off x="3770934" y="4835397"/>
+            <a:ext cx="330540" cy="369332"/>
+          </a:xfrm>
+          <a:prstGeom prst="rect">
+            <a:avLst/>
+          </a:prstGeom>
+          <a:noFill/>
+        </p:spPr>
+        <p:txBody>
+          <a:bodyPr wrap="none" rtlCol="0">
+            <a:spAutoFit/>
+          </a:bodyPr>
+          <a:lstStyle/>
+          <a:p>
+            <a:r>
               <a:rPr lang="en-US" b="1" dirty="0"/>
               <a:t>D</a:t>
             </a:r>
-            <a:endParaRPr lang="en-US" b="1" dirty="0"/>
-          </a:p>
-        </p:txBody>
-      </p:sp>
+          </a:p>
+        </p:txBody>
+      </p:sp>
+      <p:pic>
+        <p:nvPicPr>
+          <p:cNvPr id="3" name="Picture 2"/>
+          <p:cNvPicPr>
+            <a:picLocks noChangeAspect="1"/>
+          </p:cNvPicPr>
+          <p:nvPr/>
+        </p:nvPicPr>
+        <p:blipFill>
+          <a:blip r:embed="rId7">
+            <a:clrChange>
+              <a:clrFrom>
+                <a:srgbClr val="FFFFFF"/>
+              </a:clrFrom>
+              <a:clrTo>
+                <a:srgbClr val="FFFFFF">
+                  <a:alpha val="0"/>
+                </a:srgbClr>
+              </a:clrTo>
+            </a:clrChange>
+          </a:blip>
+          <a:stretch>
+            <a:fillRect/>
+          </a:stretch>
+        </p:blipFill>
+        <p:spPr>
+          <a:xfrm>
+            <a:off x="6227041" y="1725099"/>
+            <a:ext cx="1779452" cy="1828800"/>
+          </a:xfrm>
+          <a:prstGeom prst="rect">
+            <a:avLst/>
+          </a:prstGeom>
+        </p:spPr>
+      </p:pic>
+      <p:pic>
+        <p:nvPicPr>
+          <p:cNvPr id="28" name="Picture 27"/>
+          <p:cNvPicPr>
+            <a:picLocks noChangeAspect="1"/>
+          </p:cNvPicPr>
+          <p:nvPr/>
+        </p:nvPicPr>
+        <p:blipFill>
+          <a:blip r:embed="rId8">
+            <a:clrChange>
+              <a:clrFrom>
+                <a:srgbClr val="FFFFFF"/>
+              </a:clrFrom>
+              <a:clrTo>
+                <a:srgbClr val="FFFFFF">
+                  <a:alpha val="0"/>
+                </a:srgbClr>
+              </a:clrTo>
+            </a:clrChange>
+          </a:blip>
+          <a:stretch>
+            <a:fillRect/>
+          </a:stretch>
+        </p:blipFill>
+        <p:spPr>
+          <a:xfrm>
+            <a:off x="6238781" y="72193"/>
+            <a:ext cx="1787900" cy="1828800"/>
+          </a:xfrm>
+          <a:prstGeom prst="rect">
+            <a:avLst/>
+          </a:prstGeom>
+        </p:spPr>
+      </p:pic>
+      <p:pic>
+        <p:nvPicPr>
+          <p:cNvPr id="4" name="Picture 3"/>
+          <p:cNvPicPr>
+            <a:picLocks noChangeAspect="1"/>
+          </p:cNvPicPr>
+          <p:nvPr/>
+        </p:nvPicPr>
+        <p:blipFill>
+          <a:blip r:embed="rId9">
+            <a:clrChange>
+              <a:clrFrom>
+                <a:srgbClr val="FFFFFF"/>
+              </a:clrFrom>
+              <a:clrTo>
+                <a:srgbClr val="FFFFFF">
+                  <a:alpha val="0"/>
+                </a:srgbClr>
+              </a:clrTo>
+            </a:clrChange>
+          </a:blip>
+          <a:stretch>
+            <a:fillRect/>
+          </a:stretch>
+        </p:blipFill>
+        <p:spPr>
+          <a:xfrm>
+            <a:off x="8133046" y="1725099"/>
+            <a:ext cx="1782057" cy="1828800"/>
+          </a:xfrm>
+          <a:prstGeom prst="rect">
+            <a:avLst/>
+          </a:prstGeom>
+        </p:spPr>
+      </p:pic>
+      <p:pic>
+        <p:nvPicPr>
+          <p:cNvPr id="31" name="Picture 30"/>
+          <p:cNvPicPr>
+            <a:picLocks noChangeAspect="1"/>
+          </p:cNvPicPr>
+          <p:nvPr/>
+        </p:nvPicPr>
+        <p:blipFill>
+          <a:blip r:embed="rId10">
+            <a:clrChange>
+              <a:clrFrom>
+                <a:srgbClr val="FFFFFF"/>
+              </a:clrFrom>
+              <a:clrTo>
+                <a:srgbClr val="FFFFFF">
+                  <a:alpha val="0"/>
+                </a:srgbClr>
+              </a:clrTo>
+            </a:clrChange>
+          </a:blip>
+          <a:stretch>
+            <a:fillRect/>
+          </a:stretch>
+        </p:blipFill>
+        <p:spPr>
+          <a:xfrm>
+            <a:off x="8157265" y="72193"/>
+            <a:ext cx="1779294" cy="1828800"/>
+          </a:xfrm>
+          <a:prstGeom prst="rect">
+            <a:avLst/>
+          </a:prstGeom>
+        </p:spPr>
+      </p:pic>
+      <p:pic>
+        <p:nvPicPr>
+          <p:cNvPr id="6" name="Picture 5"/>
+          <p:cNvPicPr>
+            <a:picLocks noChangeAspect="1"/>
+          </p:cNvPicPr>
+          <p:nvPr/>
+        </p:nvPicPr>
+        <p:blipFill>
+          <a:blip r:embed="rId11">
+            <a:clrChange>
+              <a:clrFrom>
+                <a:srgbClr val="FFFFFF"/>
+              </a:clrFrom>
+              <a:clrTo>
+                <a:srgbClr val="FFFFFF">
+                  <a:alpha val="0"/>
+                </a:srgbClr>
+              </a:clrTo>
+            </a:clrChange>
+          </a:blip>
+          <a:stretch>
+            <a:fillRect/>
+          </a:stretch>
+        </p:blipFill>
+        <p:spPr>
+          <a:xfrm>
+            <a:off x="4315508" y="1725099"/>
+            <a:ext cx="1784979" cy="1828800"/>
+          </a:xfrm>
+          <a:prstGeom prst="rect">
+            <a:avLst/>
+          </a:prstGeom>
+        </p:spPr>
+      </p:pic>
+      <p:pic>
+        <p:nvPicPr>
+          <p:cNvPr id="8" name="Picture 7"/>
+          <p:cNvPicPr>
+            <a:picLocks noChangeAspect="1"/>
+          </p:cNvPicPr>
+          <p:nvPr/>
+        </p:nvPicPr>
+        <p:blipFill>
+          <a:blip r:embed="rId12">
+            <a:clrChange>
+              <a:clrFrom>
+                <a:srgbClr val="FFFFFF"/>
+              </a:clrFrom>
+              <a:clrTo>
+                <a:srgbClr val="FFFFFF">
+                  <a:alpha val="0"/>
+                </a:srgbClr>
+              </a:clrTo>
+            </a:clrChange>
+          </a:blip>
+          <a:stretch>
+            <a:fillRect/>
+          </a:stretch>
+        </p:blipFill>
+        <p:spPr>
+          <a:xfrm>
+            <a:off x="4326064" y="72193"/>
+            <a:ext cx="1782132" cy="1828800"/>
+          </a:xfrm>
+          <a:prstGeom prst="rect">
+            <a:avLst/>
+          </a:prstGeom>
+        </p:spPr>
+      </p:pic>
+      <p:sp>
+        <p:nvSpPr>
+          <p:cNvPr id="9" name="TextBox 8"/>
+          <p:cNvSpPr txBox="1"/>
+          <p:nvPr/>
+        </p:nvSpPr>
+        <p:spPr>
+          <a:xfrm>
+            <a:off x="4283781" y="280021"/>
+            <a:ext cx="1547668" cy="276999"/>
+          </a:xfrm>
+          <a:prstGeom prst="rect">
+            <a:avLst/>
+          </a:prstGeom>
+          <a:noFill/>
+        </p:spPr>
+        <p:txBody>
+          <a:bodyPr wrap="none" rtlCol="0">
+            <a:spAutoFit/>
+          </a:bodyPr>
+          <a:lstStyle/>
+          <a:p>
+            <a:r>
+              <a:rPr lang="en-US" sz="1200" dirty="0" smtClean="0">
+                <a:latin typeface="Arial" panose="020B0604020202020204" pitchFamily="34" charset="0"/>
+                <a:cs typeface="Arial" panose="020B0604020202020204" pitchFamily="34" charset="0"/>
+              </a:rPr>
+              <a:t>SMAP Soil Moisture</a:t>
+            </a:r>
+          </a:p>
+        </p:txBody>
+      </p:sp>
+      <p:sp>
+        <p:nvSpPr>
+          <p:cNvPr id="32" name="TextBox 31"/>
+          <p:cNvSpPr txBox="1"/>
+          <p:nvPr/>
+        </p:nvSpPr>
+        <p:spPr>
+          <a:xfrm>
+            <a:off x="6159085" y="280021"/>
+            <a:ext cx="1487330" cy="276999"/>
+          </a:xfrm>
+          <a:prstGeom prst="rect">
+            <a:avLst/>
+          </a:prstGeom>
+          <a:noFill/>
+        </p:spPr>
+        <p:txBody>
+          <a:bodyPr wrap="none" rtlCol="0">
+            <a:spAutoFit/>
+          </a:bodyPr>
+          <a:lstStyle/>
+          <a:p>
+            <a:r>
+              <a:rPr lang="en-US" sz="1200" dirty="0" smtClean="0">
+                <a:latin typeface="Arial" panose="020B0604020202020204" pitchFamily="34" charset="0"/>
+                <a:cs typeface="Arial" panose="020B0604020202020204" pitchFamily="34" charset="0"/>
+              </a:rPr>
+              <a:t>ERA5 Temperature</a:t>
+            </a:r>
+          </a:p>
+        </p:txBody>
+      </p:sp>
+      <p:sp>
+        <p:nvSpPr>
+          <p:cNvPr id="33" name="TextBox 32"/>
+          <p:cNvSpPr txBox="1"/>
+          <p:nvPr/>
+        </p:nvSpPr>
+        <p:spPr>
+          <a:xfrm>
+            <a:off x="7946985" y="280020"/>
+            <a:ext cx="1422184" cy="276999"/>
+          </a:xfrm>
+          <a:prstGeom prst="rect">
+            <a:avLst/>
+          </a:prstGeom>
+          <a:noFill/>
+        </p:spPr>
+        <p:txBody>
+          <a:bodyPr wrap="none" rtlCol="0">
+            <a:spAutoFit/>
+          </a:bodyPr>
+          <a:lstStyle/>
+          <a:p>
+            <a:r>
+              <a:rPr lang="en-US" sz="1200" dirty="0" smtClean="0">
+                <a:latin typeface="Arial" panose="020B0604020202020204" pitchFamily="34" charset="0"/>
+                <a:cs typeface="Arial" panose="020B0604020202020204" pitchFamily="34" charset="0"/>
+              </a:rPr>
+              <a:t>GPM Precipitation</a:t>
+            </a:r>
+          </a:p>
+        </p:txBody>
+      </p:sp>
+      <p:sp>
+        <p:nvSpPr>
+          <p:cNvPr id="41" name="TextBox 40"/>
+          <p:cNvSpPr txBox="1"/>
+          <p:nvPr/>
+        </p:nvSpPr>
+        <p:spPr>
+          <a:xfrm>
+            <a:off x="4311094" y="2013815"/>
+            <a:ext cx="1453218" cy="276999"/>
+          </a:xfrm>
+          <a:prstGeom prst="rect">
+            <a:avLst/>
+          </a:prstGeom>
+          <a:noFill/>
+        </p:spPr>
+        <p:txBody>
+          <a:bodyPr wrap="none" rtlCol="0">
+            <a:spAutoFit/>
+          </a:bodyPr>
+          <a:lstStyle/>
+          <a:p>
+            <a:r>
+              <a:rPr lang="en-US" sz="1200" dirty="0" smtClean="0">
+                <a:latin typeface="Arial" panose="020B0604020202020204" pitchFamily="34" charset="0"/>
+                <a:cs typeface="Arial" panose="020B0604020202020204" pitchFamily="34" charset="0"/>
+              </a:rPr>
+              <a:t>Topographic Slope</a:t>
+            </a:r>
+          </a:p>
+        </p:txBody>
+      </p:sp>
+      <p:sp>
+        <p:nvSpPr>
+          <p:cNvPr id="42" name="TextBox 41"/>
+          <p:cNvSpPr txBox="1"/>
+          <p:nvPr/>
+        </p:nvSpPr>
+        <p:spPr>
+          <a:xfrm>
+            <a:off x="6227040" y="1900993"/>
+            <a:ext cx="1462260" cy="461665"/>
+          </a:xfrm>
+          <a:prstGeom prst="rect">
+            <a:avLst/>
+          </a:prstGeom>
+          <a:noFill/>
+        </p:spPr>
+        <p:txBody>
+          <a:bodyPr wrap="none" rtlCol="0">
+            <a:spAutoFit/>
+          </a:bodyPr>
+          <a:lstStyle/>
+          <a:p>
+            <a:r>
+              <a:rPr lang="en-US" sz="1200" dirty="0" smtClean="0">
+                <a:latin typeface="Arial" panose="020B0604020202020204" pitchFamily="34" charset="0"/>
+                <a:cs typeface="Arial" panose="020B0604020202020204" pitchFamily="34" charset="0"/>
+              </a:rPr>
+              <a:t>GPW Human</a:t>
+            </a:r>
+          </a:p>
+          <a:p>
+            <a:r>
+              <a:rPr lang="en-US" sz="1200" dirty="0" smtClean="0">
+                <a:latin typeface="Arial" panose="020B0604020202020204" pitchFamily="34" charset="0"/>
+                <a:cs typeface="Arial" panose="020B0604020202020204" pitchFamily="34" charset="0"/>
+              </a:rPr>
+              <a:t>Population Density</a:t>
+            </a:r>
+          </a:p>
+        </p:txBody>
+      </p:sp>
+      <p:sp>
+        <p:nvSpPr>
+          <p:cNvPr id="43" name="TextBox 42"/>
+          <p:cNvSpPr txBox="1"/>
+          <p:nvPr/>
+        </p:nvSpPr>
+        <p:spPr>
+          <a:xfrm>
+            <a:off x="8369509" y="1960241"/>
+            <a:ext cx="1099981" cy="276999"/>
+          </a:xfrm>
+          <a:prstGeom prst="rect">
+            <a:avLst/>
+          </a:prstGeom>
+          <a:noFill/>
+        </p:spPr>
+        <p:txBody>
+          <a:bodyPr wrap="none" rtlCol="0">
+            <a:spAutoFit/>
+          </a:bodyPr>
+          <a:lstStyle/>
+          <a:p>
+            <a:r>
+              <a:rPr lang="en-US" sz="1200" dirty="0" smtClean="0">
+                <a:latin typeface="Arial" panose="020B0604020202020204" pitchFamily="34" charset="0"/>
+                <a:cs typeface="Arial" panose="020B0604020202020204" pitchFamily="34" charset="0"/>
+              </a:rPr>
+              <a:t>MODIS NDVI</a:t>
+            </a:r>
+          </a:p>
+        </p:txBody>
+      </p:sp>
+      <p:pic>
+        <p:nvPicPr>
+          <p:cNvPr id="23" name="Picture 22"/>
+          <p:cNvPicPr>
+            <a:picLocks noChangeAspect="1"/>
+          </p:cNvPicPr>
+          <p:nvPr/>
+        </p:nvPicPr>
+        <p:blipFill>
+          <a:blip r:embed="rId13"/>
+          <a:stretch>
+            <a:fillRect/>
+          </a:stretch>
+        </p:blipFill>
+        <p:spPr>
+          <a:xfrm>
+            <a:off x="4178500" y="3666723"/>
+            <a:ext cx="2897363" cy="1987160"/>
+          </a:xfrm>
+          <a:prstGeom prst="rect">
+            <a:avLst/>
+          </a:prstGeom>
+        </p:spPr>
+      </p:pic>
+      <p:pic>
+        <p:nvPicPr>
+          <p:cNvPr id="25" name="Picture 24"/>
+          <p:cNvPicPr>
+            <a:picLocks noChangeAspect="1"/>
+          </p:cNvPicPr>
+          <p:nvPr/>
+        </p:nvPicPr>
+        <p:blipFill>
+          <a:blip r:embed="rId14"/>
+          <a:stretch>
+            <a:fillRect/>
+          </a:stretch>
+        </p:blipFill>
+        <p:spPr>
+          <a:xfrm>
+            <a:off x="7150484" y="3676211"/>
+            <a:ext cx="2879763" cy="1968183"/>
+          </a:xfrm>
+          <a:prstGeom prst="rect">
+            <a:avLst/>
+          </a:prstGeom>
+        </p:spPr>
+      </p:pic>
     </p:spTree>
     <p:extLst>
       <p:ext uri="{BB962C8B-B14F-4D97-AF65-F5344CB8AC3E}">
